--- a/overview/overview2.pptx
+++ b/overview/overview2.pptx
@@ -3569,23 +3569,7 @@
                   <a:srgbClr val="92D050"/>
                 </a:solidFill>
               </a:rPr>
-              <a:t>Goal: Software </a:t>
-            </a:r>
-            <a:r>
-              <a:rPr lang="en-US" dirty="0" smtClean="0">
-                <a:solidFill>
-                  <a:srgbClr val="92D050"/>
-                </a:solidFill>
-              </a:rPr>
-              <a:t>Product </a:t>
-            </a:r>
-            <a:r>
-              <a:rPr lang="en-US" dirty="0" smtClean="0">
-                <a:solidFill>
-                  <a:srgbClr val="92D050"/>
-                </a:solidFill>
-              </a:rPr>
-              <a:t>Companies</a:t>
+              <a:t>Goal: Software Product Companies</a:t>
             </a:r>
             <a:endParaRPr lang="en-US" dirty="0">
               <a:solidFill>
@@ -4125,15 +4109,7 @@
                   <a:srgbClr val="92D050"/>
                 </a:solidFill>
               </a:rPr>
-              <a:t>Mantra1: Problem </a:t>
-            </a:r>
-            <a:r>
-              <a:rPr lang="en-US" dirty="0" smtClean="0">
-                <a:solidFill>
-                  <a:srgbClr val="92D050"/>
-                </a:solidFill>
-              </a:rPr>
-              <a:t>driven Learning</a:t>
+              <a:t>Mantra1: Problem driven Learning</a:t>
             </a:r>
             <a:endParaRPr lang="en-US" dirty="0">
               <a:solidFill>
@@ -4172,29 +4148,8 @@
                   <a:srgbClr val="FF0000"/>
                 </a:solidFill>
               </a:rPr>
-              <a:t>Problem </a:t>
-            </a:r>
-            <a:r>
-              <a:rPr lang="en-US" sz="4100" dirty="0" smtClean="0">
-                <a:solidFill>
-                  <a:srgbClr val="FF0000"/>
-                </a:solidFill>
-              </a:rPr>
-              <a:t>First -&gt; Thinking Next -&gt; Convert </a:t>
-            </a:r>
-            <a:r>
-              <a:rPr lang="en-US" sz="4100" dirty="0" smtClean="0">
-                <a:solidFill>
-                  <a:srgbClr val="FF0000"/>
-                </a:solidFill>
-              </a:rPr>
-              <a:t>Thought to Code(Experiment)</a:t>
-            </a:r>
-            <a:endParaRPr lang="en-US" sz="4100" dirty="0" smtClean="0">
-              <a:solidFill>
-                <a:srgbClr val="FF0000"/>
-              </a:solidFill>
-            </a:endParaRPr>
+              <a:t>Problem First -&gt; Thinking Next -&gt; Convert Thought to Code(Experiment)</a:t>
+            </a:r>
           </a:p>
           <a:p>
             <a:pPr algn="just"/>
@@ -4244,11 +4199,6 @@
               </a:rPr>
               <a:t> Fear</a:t>
             </a:r>
-            <a:endParaRPr lang="en-US" sz="3700" dirty="0" smtClean="0">
-              <a:solidFill>
-                <a:srgbClr val="FF0000"/>
-              </a:solidFill>
-            </a:endParaRPr>
           </a:p>
           <a:p>
             <a:pPr algn="just"/>
@@ -4376,11 +4326,6 @@
               </a:rPr>
               <a:t>Action should speak, not the words</a:t>
             </a:r>
-            <a:endParaRPr lang="en-US" sz="4100" dirty="0" smtClean="0">
-              <a:solidFill>
-                <a:srgbClr val="FF0000"/>
-              </a:solidFill>
-            </a:endParaRPr>
           </a:p>
           <a:p>
             <a:pPr algn="just"/>
@@ -4446,11 +4391,6 @@
               </a:rPr>
               <a:t>Mental Laziness</a:t>
             </a:r>
-            <a:endParaRPr lang="en-US" sz="3700" dirty="0" smtClean="0">
-              <a:solidFill>
-                <a:srgbClr val="FF0000"/>
-              </a:solidFill>
-            </a:endParaRPr>
           </a:p>
           <a:p>
             <a:pPr lvl="1" algn="just"/>
@@ -4594,11 +4534,6 @@
               </a:rPr>
               <a:t> century is all about knowledge or mind or technology workers </a:t>
             </a:r>
-            <a:endParaRPr lang="en-US" sz="4100" dirty="0" smtClean="0">
-              <a:solidFill>
-                <a:srgbClr val="FF0000"/>
-              </a:solidFill>
-            </a:endParaRPr>
           </a:p>
           <a:p>
             <a:pPr algn="just"/>
@@ -4664,11 +4599,6 @@
               </a:rPr>
               <a:t>Lack of passion</a:t>
             </a:r>
-            <a:endParaRPr lang="en-US" sz="3700" dirty="0" smtClean="0">
-              <a:solidFill>
-                <a:srgbClr val="FF0000"/>
-              </a:solidFill>
-            </a:endParaRPr>
           </a:p>
           <a:p>
             <a:pPr lvl="1" algn="just"/>
@@ -4788,11 +4718,6 @@
               </a:rPr>
               <a:t>Applied Language Coding (Level-I)</a:t>
             </a:r>
-            <a:endParaRPr lang="en-US" sz="4100" dirty="0" smtClean="0">
-              <a:solidFill>
-                <a:srgbClr val="FF0000"/>
-              </a:solidFill>
-            </a:endParaRPr>
           </a:p>
           <a:p>
             <a:pPr algn="just"/>
@@ -4831,11 +4756,6 @@
               </a:rPr>
               <a:t>Competitive Coding (Level-III)</a:t>
             </a:r>
-            <a:endParaRPr lang="en-US" sz="4100" dirty="0" smtClean="0">
-              <a:solidFill>
-                <a:srgbClr val="FF0000"/>
-              </a:solidFill>
-            </a:endParaRPr>
           </a:p>
           <a:p>
             <a:pPr marL="457200" lvl="1" indent="0" algn="just">
